--- a/slides/455 - We have not known thee as we ought.pptx
+++ b/slides/455 - We have not known thee as we ought.pptx
@@ -239,7 +239,7 @@
               <a:pPr>
                 <a:defRPr/>
               </a:pPr>
-              <a:t>19/04/2014</a:t>
+              <a:t>25/08/2015</a:t>
             </a:fld>
             <a:endParaRPr lang="en-NZ"/>
           </a:p>
@@ -4227,7 +4227,15 @@
           <a:p>
             <a:r>
               <a:rPr lang="en-GB" dirty="0"/>
-              <a:t>		and grand the grace of holy fear</a:t>
+              <a:t>		and </a:t>
+            </a:r>
+            <a:r>
+              <a:rPr lang="en-GB" dirty="0" smtClean="0"/>
+              <a:t>grant </a:t>
+            </a:r>
+            <a:r>
+              <a:rPr lang="en-GB" dirty="0"/>
+              <a:t>the grace of holy fear</a:t>
             </a:r>
             <a:r>
               <a:rPr lang="en-GB" dirty="0" smtClean="0"/>
